--- a/lectures/lecture-25/CSE12F20-Lecture-25-Iteration.pptx
+++ b/lectures/lecture-25/CSE12F20-Lecture-25-Iteration.pptx
@@ -5,20 +5,21 @@
     <p:sldMasterId id="2147483659" r:id="rId1"/>
   </p:sldMasterIdLst>
   <p:notesMasterIdLst>
-    <p:notesMasterId r:id="rId3"/>
+    <p:notesMasterId r:id="rId4"/>
   </p:notesMasterIdLst>
   <p:sldIdLst>
     <p:sldId id="257" r:id="rId2"/>
+    <p:sldId id="260" r:id="rId3"/>
   </p:sldIdLst>
   <p:sldSz cx="7772400" cy="10058400"/>
   <p:notesSz cx="6858000" cy="9144000"/>
   <p:embeddedFontLst>
     <p:embeddedFont>
       <p:font typeface="Roboto Mono" panose="020B0604020202020204" charset="0"/>
-      <p:regular r:id="rId4"/>
-      <p:bold r:id="rId5"/>
-      <p:italic r:id="rId6"/>
-      <p:boldItalic r:id="rId7"/>
+      <p:regular r:id="rId5"/>
+      <p:bold r:id="rId6"/>
+      <p:italic r:id="rId7"/>
+      <p:boldItalic r:id="rId8"/>
     </p:embeddedFont>
   </p:embeddedFontLst>
   <p:defaultTextStyle>
@@ -760,6 +761,110 @@
       <p:sp>
         <p:nvSpPr>
           <p:cNvPr id="62" name="Google Shape;62;g4d361d1320_0_23:notes"/>
+          <p:cNvSpPr txBox="1">
+            <a:spLocks noGrp="1"/>
+          </p:cNvSpPr>
+          <p:nvPr>
+            <p:ph type="body" idx="1"/>
+          </p:nvPr>
+        </p:nvSpPr>
+        <p:spPr>
+          <a:xfrm>
+            <a:off x="685800" y="4343400"/>
+            <a:ext cx="5486400" cy="4114800"/>
+          </a:xfrm>
+          <a:prstGeom prst="rect">
+            <a:avLst/>
+          </a:prstGeom>
+        </p:spPr>
+        <p:txBody>
+          <a:bodyPr spcFirstLastPara="1" wrap="square" lIns="91425" tIns="91425" rIns="91425" bIns="91425" anchor="t" anchorCtr="0">
+            <a:noAutofit/>
+          </a:bodyPr>
+          <a:lstStyle/>
+          <a:p>
+            <a:pPr marL="0" lvl="0" indent="0" algn="l" rtl="0">
+              <a:spcBef>
+                <a:spcPts val="0"/>
+              </a:spcBef>
+              <a:spcAft>
+                <a:spcPts val="0"/>
+              </a:spcAft>
+              <a:buNone/>
+            </a:pPr>
+            <a:endParaRPr/>
+          </a:p>
+        </p:txBody>
+      </p:sp>
+    </p:spTree>
+  </p:cSld>
+  <p:clrMapOvr>
+    <a:masterClrMapping/>
+  </p:clrMapOvr>
+</p:notes>
+</file>
+
+<file path=ppt/notesSlides/notesSlide2.xml><?xml version="1.0" encoding="utf-8"?>
+<p:notes xmlns:a="http://schemas.openxmlformats.org/drawingml/2006/main" xmlns:r="http://schemas.openxmlformats.org/officeDocument/2006/relationships" xmlns:p="http://schemas.openxmlformats.org/presentationml/2006/main" showMasterSp="0" showMasterPhAnim="0">
+  <p:cSld>
+    <p:spTree>
+      <p:nvGrpSpPr>
+        <p:cNvPr id="1" name="Shape 81"/>
+        <p:cNvGrpSpPr/>
+        <p:nvPr/>
+      </p:nvGrpSpPr>
+      <p:grpSpPr>
+        <a:xfrm>
+          <a:off x="0" y="0"/>
+          <a:ext cx="0" cy="0"/>
+          <a:chOff x="0" y="0"/>
+          <a:chExt cx="0" cy="0"/>
+        </a:xfrm>
+      </p:grpSpPr>
+      <p:sp>
+        <p:nvSpPr>
+          <p:cNvPr id="82" name="Google Shape;82;g5291a4249f_0_43:notes"/>
+          <p:cNvSpPr>
+            <a:spLocks noGrp="1" noRot="1" noChangeAspect="1"/>
+          </p:cNvSpPr>
+          <p:nvPr>
+            <p:ph type="sldImg" idx="2"/>
+          </p:nvPr>
+        </p:nvSpPr>
+        <p:spPr>
+          <a:xfrm>
+            <a:off x="2104480" y="685800"/>
+            <a:ext cx="2649900" cy="3429000"/>
+          </a:xfrm>
+          <a:custGeom>
+            <a:avLst/>
+            <a:gdLst/>
+            <a:ahLst/>
+            <a:cxnLst/>
+            <a:rect l="l" t="t" r="r" b="b"/>
+            <a:pathLst>
+              <a:path w="120000" h="120000" extrusionOk="0">
+                <a:moveTo>
+                  <a:pt x="0" y="0"/>
+                </a:moveTo>
+                <a:lnTo>
+                  <a:pt x="120000" y="0"/>
+                </a:lnTo>
+                <a:lnTo>
+                  <a:pt x="120000" y="120000"/>
+                </a:lnTo>
+                <a:lnTo>
+                  <a:pt x="0" y="120000"/>
+                </a:lnTo>
+                <a:close/>
+              </a:path>
+            </a:pathLst>
+          </a:custGeom>
+        </p:spPr>
+      </p:sp>
+      <p:sp>
+        <p:nvSpPr>
+          <p:cNvPr id="83" name="Google Shape;83;g5291a4249f_0_43:notes"/>
           <p:cNvSpPr txBox="1">
             <a:spLocks noGrp="1"/>
           </p:cNvSpPr>
@@ -5294,7 +5399,7 @@
               <a:buNone/>
             </a:pPr>
             <a:r>
-              <a:rPr lang="en" sz="800">
+              <a:rPr lang="en" sz="800" dirty="0">
                 <a:latin typeface="Roboto Mono"/>
                 <a:ea typeface="Roboto Mono"/>
                 <a:cs typeface="Roboto Mono"/>
@@ -5302,7 +5407,7 @@
               </a:rPr>
               <a:t>// Goal:</a:t>
             </a:r>
-            <a:endParaRPr sz="800">
+            <a:endParaRPr sz="800" dirty="0">
               <a:latin typeface="Roboto Mono"/>
               <a:ea typeface="Roboto Mono"/>
               <a:cs typeface="Roboto Mono"/>
@@ -5320,7 +5425,7 @@
               <a:buNone/>
             </a:pPr>
             <a:r>
-              <a:rPr lang="en" sz="800">
+              <a:rPr lang="en" sz="800" dirty="0">
                 <a:latin typeface="Roboto Mono"/>
                 <a:ea typeface="Roboto Mono"/>
                 <a:cs typeface="Roboto Mono"/>
@@ -5328,7 +5433,7 @@
               </a:rPr>
               <a:t>int sum = 0;</a:t>
             </a:r>
-            <a:endParaRPr sz="800">
+            <a:endParaRPr sz="800" dirty="0">
               <a:latin typeface="Roboto Mono"/>
               <a:ea typeface="Roboto Mono"/>
               <a:cs typeface="Roboto Mono"/>
@@ -5346,7 +5451,7 @@
               <a:buNone/>
             </a:pPr>
             <a:r>
-              <a:rPr lang="en" sz="800">
+              <a:rPr lang="en" sz="800" dirty="0">
                 <a:latin typeface="Roboto Mono"/>
                 <a:ea typeface="Roboto Mono"/>
                 <a:cs typeface="Roboto Mono"/>
@@ -5354,7 +5459,7 @@
               </a:rPr>
               <a:t>for(Integer i: new Range(0, 100)) {</a:t>
             </a:r>
-            <a:endParaRPr sz="800">
+            <a:endParaRPr sz="800" dirty="0">
               <a:latin typeface="Roboto Mono"/>
               <a:ea typeface="Roboto Mono"/>
               <a:cs typeface="Roboto Mono"/>
@@ -5372,7 +5477,7 @@
               <a:buNone/>
             </a:pPr>
             <a:r>
-              <a:rPr lang="en" sz="800">
+              <a:rPr lang="en" sz="800" dirty="0">
                 <a:latin typeface="Roboto Mono"/>
                 <a:ea typeface="Roboto Mono"/>
                 <a:cs typeface="Roboto Mono"/>
@@ -5380,7 +5485,7 @@
               </a:rPr>
               <a:t>  sum += i;</a:t>
             </a:r>
-            <a:endParaRPr sz="800">
+            <a:endParaRPr sz="800" dirty="0">
               <a:latin typeface="Roboto Mono"/>
               <a:ea typeface="Roboto Mono"/>
               <a:cs typeface="Roboto Mono"/>
@@ -5398,7 +5503,7 @@
               <a:buNone/>
             </a:pPr>
             <a:r>
-              <a:rPr lang="en" sz="800">
+              <a:rPr lang="en" sz="800" dirty="0">
                 <a:latin typeface="Roboto Mono"/>
                 <a:ea typeface="Roboto Mono"/>
                 <a:cs typeface="Roboto Mono"/>
@@ -5406,7 +5511,7 @@
               </a:rPr>
               <a:t>}</a:t>
             </a:r>
-            <a:endParaRPr sz="800">
+            <a:endParaRPr sz="800" dirty="0">
               <a:latin typeface="Roboto Mono"/>
               <a:ea typeface="Roboto Mono"/>
               <a:cs typeface="Roboto Mono"/>
@@ -5423,7 +5528,7 @@
               </a:spcAft>
               <a:buNone/>
             </a:pPr>
-            <a:endParaRPr sz="800">
+            <a:endParaRPr sz="800" dirty="0">
               <a:latin typeface="Roboto Mono"/>
               <a:ea typeface="Roboto Mono"/>
               <a:cs typeface="Roboto Mono"/>
@@ -5440,7 +5545,7 @@
               </a:spcAft>
               <a:buNone/>
             </a:pPr>
-            <a:endParaRPr sz="800">
+            <a:endParaRPr sz="800" dirty="0">
               <a:latin typeface="Roboto Mono"/>
               <a:ea typeface="Roboto Mono"/>
               <a:cs typeface="Roboto Mono"/>
@@ -5457,7 +5562,7 @@
         </p:nvSpPr>
         <p:spPr>
           <a:xfrm>
-            <a:off x="326200" y="8369675"/>
+            <a:off x="326200" y="1502901"/>
             <a:ext cx="3734100" cy="1242300"/>
           </a:xfrm>
           <a:prstGeom prst="rect">
@@ -5490,7 +5595,7 @@
               <a:buNone/>
             </a:pPr>
             <a:r>
-              <a:rPr lang="en" sz="800">
+              <a:rPr lang="en" sz="800" dirty="0">
                 <a:latin typeface="Roboto Mono"/>
                 <a:ea typeface="Roboto Mono"/>
                 <a:cs typeface="Roboto Mono"/>
@@ -5498,7 +5603,7 @@
               </a:rPr>
               <a:t>// Idea:</a:t>
             </a:r>
-            <a:endParaRPr sz="800">
+            <a:endParaRPr sz="800" dirty="0">
               <a:latin typeface="Roboto Mono"/>
               <a:ea typeface="Roboto Mono"/>
               <a:cs typeface="Roboto Mono"/>
@@ -5516,7 +5621,7 @@
               <a:buNone/>
             </a:pPr>
             <a:r>
-              <a:rPr lang="en" sz="800">
+              <a:rPr lang="en" sz="800" dirty="0">
                 <a:latin typeface="Roboto Mono"/>
                 <a:ea typeface="Roboto Mono"/>
                 <a:cs typeface="Roboto Mono"/>
@@ -5524,7 +5629,7 @@
               </a:rPr>
               <a:t>Integer sum(Iterable&lt;Integer&gt; iterable) {</a:t>
             </a:r>
-            <a:endParaRPr sz="800">
+            <a:endParaRPr sz="800" dirty="0">
               <a:latin typeface="Roboto Mono"/>
               <a:ea typeface="Roboto Mono"/>
               <a:cs typeface="Roboto Mono"/>
@@ -5542,7 +5647,7 @@
               <a:buNone/>
             </a:pPr>
             <a:r>
-              <a:rPr lang="en" sz="800">
+              <a:rPr lang="en" sz="800" dirty="0">
                 <a:solidFill>
                   <a:schemeClr val="dk1"/>
                 </a:solidFill>
@@ -5553,7 +5658,7 @@
               </a:rPr>
               <a:t>  int sum = 0;</a:t>
             </a:r>
-            <a:endParaRPr sz="800">
+            <a:endParaRPr sz="800" dirty="0">
               <a:solidFill>
                 <a:schemeClr val="dk1"/>
               </a:solidFill>
@@ -5574,7 +5679,7 @@
               <a:buNone/>
             </a:pPr>
             <a:r>
-              <a:rPr lang="en" sz="800">
+              <a:rPr lang="en" sz="800" dirty="0">
                 <a:solidFill>
                   <a:schemeClr val="dk1"/>
                 </a:solidFill>
@@ -5583,9 +5688,9 @@
                 <a:cs typeface="Roboto Mono"/>
                 <a:sym typeface="Roboto Mono"/>
               </a:rPr>
-              <a:t>  for(Integer i: new Range(0, 100)) {</a:t>
-            </a:r>
-            <a:endParaRPr sz="800">
+              <a:t>  for(Integer i: iterable) {</a:t>
+            </a:r>
+            <a:endParaRPr sz="800" dirty="0">
               <a:solidFill>
                 <a:schemeClr val="dk1"/>
               </a:solidFill>
@@ -5606,7 +5711,7 @@
               <a:buNone/>
             </a:pPr>
             <a:r>
-              <a:rPr lang="en" sz="800">
+              <a:rPr lang="en" sz="800" dirty="0">
                 <a:solidFill>
                   <a:schemeClr val="dk1"/>
                 </a:solidFill>
@@ -5617,7 +5722,7 @@
               </a:rPr>
               <a:t>    sum += i;</a:t>
             </a:r>
-            <a:endParaRPr sz="800">
+            <a:endParaRPr sz="800" dirty="0">
               <a:solidFill>
                 <a:schemeClr val="dk1"/>
               </a:solidFill>
@@ -5638,7 +5743,7 @@
               <a:buNone/>
             </a:pPr>
             <a:r>
-              <a:rPr lang="en" sz="800">
+              <a:rPr lang="en" sz="800" dirty="0">
                 <a:solidFill>
                   <a:schemeClr val="dk1"/>
                 </a:solidFill>
@@ -5649,7 +5754,7 @@
               </a:rPr>
               <a:t>  }</a:t>
             </a:r>
-            <a:endParaRPr sz="800">
+            <a:endParaRPr sz="800" dirty="0">
               <a:solidFill>
                 <a:schemeClr val="dk1"/>
               </a:solidFill>
@@ -5670,7 +5775,7 @@
               <a:buNone/>
             </a:pPr>
             <a:r>
-              <a:rPr lang="en" sz="800">
+              <a:rPr lang="en" sz="800" dirty="0">
                 <a:solidFill>
                   <a:schemeClr val="dk1"/>
                 </a:solidFill>
@@ -5681,7 +5786,7 @@
               </a:rPr>
               <a:t>  return sum;</a:t>
             </a:r>
-            <a:endParaRPr sz="800">
+            <a:endParaRPr sz="800" dirty="0">
               <a:solidFill>
                 <a:schemeClr val="dk1"/>
               </a:solidFill>
@@ -5702,7 +5807,7 @@
               <a:buNone/>
             </a:pPr>
             <a:r>
-              <a:rPr lang="en" sz="800">
+              <a:rPr lang="en" sz="800" dirty="0">
                 <a:latin typeface="Roboto Mono"/>
                 <a:ea typeface="Roboto Mono"/>
                 <a:cs typeface="Roboto Mono"/>
@@ -5710,7 +5815,2043 @@
               </a:rPr>
               <a:t>}</a:t>
             </a:r>
-            <a:endParaRPr sz="800">
+            <a:endParaRPr sz="800" dirty="0">
+              <a:latin typeface="Roboto Mono"/>
+              <a:ea typeface="Roboto Mono"/>
+              <a:cs typeface="Roboto Mono"/>
+              <a:sym typeface="Roboto Mono"/>
+            </a:endParaRPr>
+          </a:p>
+        </p:txBody>
+      </p:sp>
+      <p:sp>
+        <p:nvSpPr>
+          <p:cNvPr id="5" name="Google Shape;66;p14">
+            <a:extLst>
+              <a:ext uri="{FF2B5EF4-FFF2-40B4-BE49-F238E27FC236}">
+                <a16:creationId xmlns:a16="http://schemas.microsoft.com/office/drawing/2014/main" id="{B747CE9E-9199-44C3-90F5-A22BB590706B}"/>
+              </a:ext>
+            </a:extLst>
+          </p:cNvPr>
+          <p:cNvSpPr txBox="1"/>
+          <p:nvPr/>
+        </p:nvSpPr>
+        <p:spPr>
+          <a:xfrm>
+            <a:off x="326199" y="2836433"/>
+            <a:ext cx="4503985" cy="2994212"/>
+          </a:xfrm>
+          <a:prstGeom prst="rect">
+            <a:avLst/>
+          </a:prstGeom>
+          <a:noFill/>
+          <a:ln w="9525" cap="flat" cmpd="sng">
+            <a:solidFill>
+              <a:srgbClr val="000000"/>
+            </a:solidFill>
+            <a:prstDash val="solid"/>
+            <a:round/>
+            <a:headEnd type="none" w="sm" len="sm"/>
+            <a:tailEnd type="none" w="sm" len="sm"/>
+          </a:ln>
+        </p:spPr>
+        <p:txBody>
+          <a:bodyPr spcFirstLastPara="1" wrap="square" lIns="91425" tIns="91425" rIns="91425" bIns="91425" anchor="t" anchorCtr="0">
+            <a:noAutofit/>
+          </a:bodyPr>
+          <a:lstStyle/>
+          <a:p>
+            <a:pPr marL="0" lvl="0" indent="0" algn="l" rtl="0">
+              <a:spcBef>
+                <a:spcPts val="0"/>
+              </a:spcBef>
+              <a:spcAft>
+                <a:spcPts val="0"/>
+              </a:spcAft>
+              <a:buNone/>
+            </a:pPr>
+            <a:r>
+              <a:rPr lang="en-US" sz="800" dirty="0">
+                <a:latin typeface="Roboto Mono"/>
+                <a:ea typeface="Roboto Mono"/>
+                <a:cs typeface="Roboto Mono"/>
+                <a:sym typeface="Roboto Mono"/>
+              </a:rPr>
+              <a:t>interface Function&lt;</a:t>
+            </a:r>
+            <a:r>
+              <a:rPr lang="en-US" sz="800" dirty="0" err="1">
+                <a:latin typeface="Roboto Mono"/>
+                <a:ea typeface="Roboto Mono"/>
+                <a:cs typeface="Roboto Mono"/>
+                <a:sym typeface="Roboto Mono"/>
+              </a:rPr>
+              <a:t>T,R</a:t>
+            </a:r>
+            <a:r>
+              <a:rPr lang="en-US" sz="800" dirty="0">
+                <a:latin typeface="Roboto Mono"/>
+                <a:ea typeface="Roboto Mono"/>
+                <a:cs typeface="Roboto Mono"/>
+                <a:sym typeface="Roboto Mono"/>
+              </a:rPr>
+              <a:t>&gt;</a:t>
+            </a:r>
+          </a:p>
+          <a:p>
+            <a:pPr marL="0" lvl="0" indent="0" algn="l" rtl="0">
+              <a:spcBef>
+                <a:spcPts val="0"/>
+              </a:spcBef>
+              <a:spcAft>
+                <a:spcPts val="0"/>
+              </a:spcAft>
+              <a:buNone/>
+            </a:pPr>
+            <a:endParaRPr lang="en-US" sz="800" dirty="0">
+              <a:latin typeface="Roboto Mono"/>
+              <a:ea typeface="Roboto Mono"/>
+              <a:cs typeface="Roboto Mono"/>
+              <a:sym typeface="Roboto Mono"/>
+            </a:endParaRPr>
+          </a:p>
+          <a:p>
+            <a:pPr marL="0" lvl="0" indent="0" algn="l" rtl="0">
+              <a:spcBef>
+                <a:spcPts val="0"/>
+              </a:spcBef>
+              <a:spcAft>
+                <a:spcPts val="0"/>
+              </a:spcAft>
+              <a:buNone/>
+            </a:pPr>
+            <a:r>
+              <a:rPr lang="en-US" sz="800" dirty="0">
+                <a:latin typeface="Roboto Mono"/>
+                <a:ea typeface="Roboto Mono"/>
+                <a:cs typeface="Roboto Mono"/>
+                <a:sym typeface="Roboto Mono"/>
+              </a:rPr>
+              <a:t>Type Parameters:</a:t>
+            </a:r>
+          </a:p>
+          <a:p>
+            <a:pPr marL="0" lvl="0" indent="0" algn="l" rtl="0">
+              <a:spcBef>
+                <a:spcPts val="0"/>
+              </a:spcBef>
+              <a:spcAft>
+                <a:spcPts val="0"/>
+              </a:spcAft>
+              <a:buNone/>
+            </a:pPr>
+            <a:r>
+              <a:rPr lang="en-US" sz="800" dirty="0">
+                <a:latin typeface="Roboto Mono"/>
+                <a:ea typeface="Roboto Mono"/>
+                <a:cs typeface="Roboto Mono"/>
+                <a:sym typeface="Roboto Mono"/>
+              </a:rPr>
+              <a:t>T - the type of the input to the function</a:t>
+            </a:r>
+          </a:p>
+          <a:p>
+            <a:pPr marL="0" lvl="0" indent="0" algn="l" rtl="0">
+              <a:spcBef>
+                <a:spcPts val="0"/>
+              </a:spcBef>
+              <a:spcAft>
+                <a:spcPts val="0"/>
+              </a:spcAft>
+              <a:buNone/>
+            </a:pPr>
+            <a:r>
+              <a:rPr lang="en-US" sz="800" dirty="0">
+                <a:latin typeface="Roboto Mono"/>
+                <a:ea typeface="Roboto Mono"/>
+                <a:cs typeface="Roboto Mono"/>
+                <a:sym typeface="Roboto Mono"/>
+              </a:rPr>
+              <a:t>R - the type of the result of the function</a:t>
+            </a:r>
+          </a:p>
+          <a:p>
+            <a:pPr marL="0" lvl="0" indent="0" algn="l" rtl="0">
+              <a:spcBef>
+                <a:spcPts val="0"/>
+              </a:spcBef>
+              <a:spcAft>
+                <a:spcPts val="0"/>
+              </a:spcAft>
+              <a:buNone/>
+            </a:pPr>
+            <a:endParaRPr lang="en-US" sz="800" dirty="0">
+              <a:latin typeface="Roboto Mono"/>
+              <a:ea typeface="Roboto Mono"/>
+              <a:cs typeface="Roboto Mono"/>
+              <a:sym typeface="Roboto Mono"/>
+            </a:endParaRPr>
+          </a:p>
+          <a:p>
+            <a:pPr marL="0" lvl="0" indent="0" algn="l" rtl="0">
+              <a:spcBef>
+                <a:spcPts val="0"/>
+              </a:spcBef>
+              <a:spcAft>
+                <a:spcPts val="0"/>
+              </a:spcAft>
+              <a:buNone/>
+            </a:pPr>
+            <a:r>
+              <a:rPr lang="en-US" sz="800" dirty="0">
+                <a:latin typeface="Roboto Mono"/>
+                <a:ea typeface="Roboto Mono"/>
+                <a:cs typeface="Roboto Mono"/>
+                <a:sym typeface="Roboto Mono"/>
+              </a:rPr>
+              <a:t>Represents a function that accepts one argument and produces a result.</a:t>
+            </a:r>
+          </a:p>
+          <a:p>
+            <a:pPr marL="0" lvl="0" indent="0" algn="l" rtl="0">
+              <a:spcBef>
+                <a:spcPts val="0"/>
+              </a:spcBef>
+              <a:spcAft>
+                <a:spcPts val="0"/>
+              </a:spcAft>
+              <a:buNone/>
+            </a:pPr>
+            <a:endParaRPr lang="en-US" sz="800" dirty="0">
+              <a:latin typeface="Roboto Mono"/>
+              <a:ea typeface="Roboto Mono"/>
+              <a:cs typeface="Roboto Mono"/>
+              <a:sym typeface="Roboto Mono"/>
+            </a:endParaRPr>
+          </a:p>
+          <a:p>
+            <a:pPr marL="0" lvl="0" indent="0" algn="l" rtl="0">
+              <a:spcBef>
+                <a:spcPts val="0"/>
+              </a:spcBef>
+              <a:spcAft>
+                <a:spcPts val="0"/>
+              </a:spcAft>
+              <a:buNone/>
+            </a:pPr>
+            <a:r>
+              <a:rPr lang="en-US" sz="800" dirty="0">
+                <a:latin typeface="Roboto Mono"/>
+                <a:ea typeface="Roboto Mono"/>
+                <a:cs typeface="Roboto Mono"/>
+                <a:sym typeface="Roboto Mono"/>
+              </a:rPr>
+              <a:t>This is a functional interface whose functional method is apply(Object).</a:t>
+            </a:r>
+          </a:p>
+          <a:p>
+            <a:pPr marL="0" lvl="0" indent="0" algn="l" rtl="0">
+              <a:spcBef>
+                <a:spcPts val="0"/>
+              </a:spcBef>
+              <a:spcAft>
+                <a:spcPts val="0"/>
+              </a:spcAft>
+              <a:buNone/>
+            </a:pPr>
+            <a:endParaRPr lang="en-US" sz="800" dirty="0">
+              <a:latin typeface="Roboto Mono"/>
+              <a:ea typeface="Roboto Mono"/>
+              <a:cs typeface="Roboto Mono"/>
+              <a:sym typeface="Roboto Mono"/>
+            </a:endParaRPr>
+          </a:p>
+          <a:p>
+            <a:pPr marL="0" lvl="0" indent="0" algn="l" rtl="0">
+              <a:spcBef>
+                <a:spcPts val="0"/>
+              </a:spcBef>
+              <a:spcAft>
+                <a:spcPts val="0"/>
+              </a:spcAft>
+              <a:buNone/>
+            </a:pPr>
+            <a:r>
+              <a:rPr lang="en-US" sz="800" dirty="0">
+                <a:latin typeface="Roboto Mono"/>
+                <a:ea typeface="Roboto Mono"/>
+                <a:cs typeface="Roboto Mono"/>
+                <a:sym typeface="Roboto Mono"/>
+              </a:rPr>
+              <a:t>R apply(T t)</a:t>
+            </a:r>
+          </a:p>
+          <a:p>
+            <a:pPr marL="0" lvl="0" indent="0" algn="l" rtl="0">
+              <a:spcBef>
+                <a:spcPts val="0"/>
+              </a:spcBef>
+              <a:spcAft>
+                <a:spcPts val="0"/>
+              </a:spcAft>
+              <a:buNone/>
+            </a:pPr>
+            <a:r>
+              <a:rPr lang="en-US" sz="800" dirty="0">
+                <a:latin typeface="Roboto Mono"/>
+                <a:ea typeface="Roboto Mono"/>
+                <a:cs typeface="Roboto Mono"/>
+                <a:sym typeface="Roboto Mono"/>
+              </a:rPr>
+              <a:t>Applies this function to the given argument.</a:t>
+            </a:r>
+          </a:p>
+          <a:p>
+            <a:pPr marL="0" lvl="0" indent="0" algn="l" rtl="0">
+              <a:spcBef>
+                <a:spcPts val="0"/>
+              </a:spcBef>
+              <a:spcAft>
+                <a:spcPts val="0"/>
+              </a:spcAft>
+              <a:buNone/>
+            </a:pPr>
+            <a:endParaRPr lang="en-US" sz="800" dirty="0">
+              <a:latin typeface="Roboto Mono"/>
+              <a:ea typeface="Roboto Mono"/>
+              <a:cs typeface="Roboto Mono"/>
+              <a:sym typeface="Roboto Mono"/>
+            </a:endParaRPr>
+          </a:p>
+          <a:p>
+            <a:pPr marL="0" lvl="0" indent="0" algn="l" rtl="0">
+              <a:spcBef>
+                <a:spcPts val="0"/>
+              </a:spcBef>
+              <a:spcAft>
+                <a:spcPts val="0"/>
+              </a:spcAft>
+              <a:buNone/>
+            </a:pPr>
+            <a:r>
+              <a:rPr lang="en-US" sz="800" dirty="0">
+                <a:latin typeface="Roboto Mono"/>
+                <a:ea typeface="Roboto Mono"/>
+                <a:cs typeface="Roboto Mono"/>
+                <a:sym typeface="Roboto Mono"/>
+              </a:rPr>
+              <a:t>class </a:t>
+            </a:r>
+            <a:r>
+              <a:rPr lang="en-US" sz="800" dirty="0" err="1">
+                <a:latin typeface="Roboto Mono"/>
+                <a:ea typeface="Roboto Mono"/>
+                <a:cs typeface="Roboto Mono"/>
+                <a:sym typeface="Roboto Mono"/>
+              </a:rPr>
+              <a:t>AddThree</a:t>
+            </a:r>
+            <a:r>
+              <a:rPr lang="en-US" sz="800" dirty="0">
+                <a:latin typeface="Roboto Mono"/>
+                <a:ea typeface="Roboto Mono"/>
+                <a:cs typeface="Roboto Mono"/>
+                <a:sym typeface="Roboto Mono"/>
+              </a:rPr>
+              <a:t> implements Function&lt;Integer, Integer&gt; {</a:t>
+            </a:r>
+          </a:p>
+          <a:p>
+            <a:pPr marL="0" lvl="0" indent="0" algn="l" rtl="0">
+              <a:spcBef>
+                <a:spcPts val="0"/>
+              </a:spcBef>
+              <a:spcAft>
+                <a:spcPts val="0"/>
+              </a:spcAft>
+              <a:buNone/>
+            </a:pPr>
+            <a:r>
+              <a:rPr lang="en-US" sz="800" dirty="0">
+                <a:latin typeface="Roboto Mono"/>
+                <a:ea typeface="Roboto Mono"/>
+                <a:cs typeface="Roboto Mono"/>
+                <a:sym typeface="Roboto Mono"/>
+              </a:rPr>
+              <a:t>  public Integer apply(Integer value) {</a:t>
+            </a:r>
+          </a:p>
+          <a:p>
+            <a:pPr marL="0" lvl="0" indent="0" algn="l" rtl="0">
+              <a:spcBef>
+                <a:spcPts val="0"/>
+              </a:spcBef>
+              <a:spcAft>
+                <a:spcPts val="0"/>
+              </a:spcAft>
+              <a:buNone/>
+            </a:pPr>
+            <a:r>
+              <a:rPr lang="en-US" sz="800" dirty="0">
+                <a:latin typeface="Roboto Mono"/>
+                <a:ea typeface="Roboto Mono"/>
+                <a:cs typeface="Roboto Mono"/>
+                <a:sym typeface="Roboto Mono"/>
+              </a:rPr>
+              <a:t>    return value + 3;</a:t>
+            </a:r>
+          </a:p>
+          <a:p>
+            <a:pPr marL="0" lvl="0" indent="0" algn="l" rtl="0">
+              <a:spcBef>
+                <a:spcPts val="0"/>
+              </a:spcBef>
+              <a:spcAft>
+                <a:spcPts val="0"/>
+              </a:spcAft>
+              <a:buNone/>
+            </a:pPr>
+            <a:r>
+              <a:rPr lang="en-US" sz="800" dirty="0">
+                <a:latin typeface="Roboto Mono"/>
+                <a:ea typeface="Roboto Mono"/>
+                <a:cs typeface="Roboto Mono"/>
+                <a:sym typeface="Roboto Mono"/>
+              </a:rPr>
+              <a:t>  }</a:t>
+            </a:r>
+          </a:p>
+          <a:p>
+            <a:pPr marL="0" lvl="0" indent="0" algn="l" rtl="0">
+              <a:spcBef>
+                <a:spcPts val="0"/>
+              </a:spcBef>
+              <a:spcAft>
+                <a:spcPts val="0"/>
+              </a:spcAft>
+              <a:buNone/>
+            </a:pPr>
+            <a:r>
+              <a:rPr lang="en-US" sz="800" dirty="0">
+                <a:latin typeface="Roboto Mono"/>
+                <a:ea typeface="Roboto Mono"/>
+                <a:cs typeface="Roboto Mono"/>
+                <a:sym typeface="Roboto Mono"/>
+              </a:rPr>
+              <a:t>}</a:t>
+            </a:r>
+          </a:p>
+          <a:p>
+            <a:pPr marL="0" lvl="0" indent="0" algn="l" rtl="0">
+              <a:spcBef>
+                <a:spcPts val="0"/>
+              </a:spcBef>
+              <a:spcAft>
+                <a:spcPts val="0"/>
+              </a:spcAft>
+              <a:buNone/>
+            </a:pPr>
+            <a:endParaRPr lang="en-US" sz="800" dirty="0">
+              <a:latin typeface="Roboto Mono"/>
+              <a:ea typeface="Roboto Mono"/>
+              <a:cs typeface="Roboto Mono"/>
+              <a:sym typeface="Roboto Mono"/>
+            </a:endParaRPr>
+          </a:p>
+          <a:p>
+            <a:pPr marL="0" lvl="0" indent="0" algn="l" rtl="0">
+              <a:spcBef>
+                <a:spcPts val="0"/>
+              </a:spcBef>
+              <a:spcAft>
+                <a:spcPts val="0"/>
+              </a:spcAft>
+              <a:buNone/>
+            </a:pPr>
+            <a:r>
+              <a:rPr lang="en-US" sz="800" dirty="0">
+                <a:latin typeface="Roboto Mono"/>
+                <a:ea typeface="Roboto Mono"/>
+                <a:cs typeface="Roboto Mono"/>
+                <a:sym typeface="Roboto Mono"/>
+              </a:rPr>
+              <a:t>Function&lt; Integer, Integer &gt; adder = new </a:t>
+            </a:r>
+            <a:r>
+              <a:rPr lang="en-US" sz="800" dirty="0" err="1">
+                <a:latin typeface="Roboto Mono"/>
+                <a:ea typeface="Roboto Mono"/>
+                <a:cs typeface="Roboto Mono"/>
+                <a:sym typeface="Roboto Mono"/>
+              </a:rPr>
+              <a:t>AddThree</a:t>
+            </a:r>
+            <a:r>
+              <a:rPr lang="en-US" sz="800" dirty="0">
+                <a:latin typeface="Roboto Mono"/>
+                <a:ea typeface="Roboto Mono"/>
+                <a:cs typeface="Roboto Mono"/>
+                <a:sym typeface="Roboto Mono"/>
+              </a:rPr>
+              <a:t>();</a:t>
+            </a:r>
+          </a:p>
+          <a:p>
+            <a:pPr marL="0" lvl="0" indent="0" algn="l" rtl="0">
+              <a:spcBef>
+                <a:spcPts val="0"/>
+              </a:spcBef>
+              <a:spcAft>
+                <a:spcPts val="0"/>
+              </a:spcAft>
+              <a:buNone/>
+            </a:pPr>
+            <a:r>
+              <a:rPr lang="en-US" sz="800" dirty="0">
+                <a:latin typeface="Roboto Mono"/>
+                <a:ea typeface="Roboto Mono"/>
+                <a:cs typeface="Roboto Mono"/>
+                <a:sym typeface="Roboto Mono"/>
+              </a:rPr>
+              <a:t>Integer result = </a:t>
+            </a:r>
+            <a:r>
+              <a:rPr lang="en-US" sz="800" dirty="0" err="1">
+                <a:latin typeface="Roboto Mono"/>
+                <a:ea typeface="Roboto Mono"/>
+                <a:cs typeface="Roboto Mono"/>
+                <a:sym typeface="Roboto Mono"/>
+              </a:rPr>
+              <a:t>adder.apply</a:t>
+            </a:r>
+            <a:r>
+              <a:rPr lang="en-US" sz="800" dirty="0">
+                <a:latin typeface="Roboto Mono"/>
+                <a:ea typeface="Roboto Mono"/>
+                <a:cs typeface="Roboto Mono"/>
+                <a:sym typeface="Roboto Mono"/>
+              </a:rPr>
+              <a:t>((Integer) 4);</a:t>
+            </a:r>
+          </a:p>
+        </p:txBody>
+      </p:sp>
+      <p:sp>
+        <p:nvSpPr>
+          <p:cNvPr id="9" name="Google Shape;66;p14">
+            <a:extLst>
+              <a:ext uri="{FF2B5EF4-FFF2-40B4-BE49-F238E27FC236}">
+                <a16:creationId xmlns:a16="http://schemas.microsoft.com/office/drawing/2014/main" id="{C1BD0374-AE73-46D2-92E3-19E1DD123F06}"/>
+              </a:ext>
+            </a:extLst>
+          </p:cNvPr>
+          <p:cNvSpPr txBox="1"/>
+          <p:nvPr/>
+        </p:nvSpPr>
+        <p:spPr>
+          <a:xfrm>
+            <a:off x="326198" y="6126057"/>
+            <a:ext cx="4503985" cy="3695677"/>
+          </a:xfrm>
+          <a:prstGeom prst="rect">
+            <a:avLst/>
+          </a:prstGeom>
+          <a:noFill/>
+          <a:ln w="9525" cap="flat" cmpd="sng">
+            <a:solidFill>
+              <a:srgbClr val="000000"/>
+            </a:solidFill>
+            <a:prstDash val="solid"/>
+            <a:round/>
+            <a:headEnd type="none" w="sm" len="sm"/>
+            <a:tailEnd type="none" w="sm" len="sm"/>
+          </a:ln>
+        </p:spPr>
+        <p:txBody>
+          <a:bodyPr spcFirstLastPara="1" wrap="square" lIns="91425" tIns="91425" rIns="91425" bIns="91425" anchor="t" anchorCtr="0">
+            <a:noAutofit/>
+          </a:bodyPr>
+          <a:lstStyle/>
+          <a:p>
+            <a:pPr marL="0" lvl="0" indent="0" algn="l" rtl="0">
+              <a:spcBef>
+                <a:spcPts val="0"/>
+              </a:spcBef>
+              <a:spcAft>
+                <a:spcPts val="0"/>
+              </a:spcAft>
+              <a:buNone/>
+            </a:pPr>
+            <a:r>
+              <a:rPr lang="en-US" sz="800" dirty="0">
+                <a:latin typeface="Roboto Mono"/>
+                <a:ea typeface="Roboto Mono"/>
+                <a:cs typeface="Roboto Mono"/>
+                <a:sym typeface="Roboto Mono"/>
+              </a:rPr>
+              <a:t>class Transformed&lt;E&gt; implements </a:t>
+            </a:r>
+            <a:r>
+              <a:rPr lang="en-US" sz="800" dirty="0" err="1">
+                <a:latin typeface="Roboto Mono"/>
+                <a:ea typeface="Roboto Mono"/>
+                <a:cs typeface="Roboto Mono"/>
+                <a:sym typeface="Roboto Mono"/>
+              </a:rPr>
+              <a:t>Iterable</a:t>
+            </a:r>
+            <a:r>
+              <a:rPr lang="en-US" sz="800" dirty="0">
+                <a:latin typeface="Roboto Mono"/>
+                <a:ea typeface="Roboto Mono"/>
+                <a:cs typeface="Roboto Mono"/>
+                <a:sym typeface="Roboto Mono"/>
+              </a:rPr>
+              <a:t>&lt;E&gt; {</a:t>
+            </a:r>
+          </a:p>
+          <a:p>
+            <a:pPr marL="0" lvl="0" indent="0" algn="l" rtl="0">
+              <a:spcBef>
+                <a:spcPts val="0"/>
+              </a:spcBef>
+              <a:spcAft>
+                <a:spcPts val="0"/>
+              </a:spcAft>
+              <a:buNone/>
+            </a:pPr>
+            <a:r>
+              <a:rPr lang="en-US" sz="800" dirty="0">
+                <a:latin typeface="Roboto Mono"/>
+                <a:ea typeface="Roboto Mono"/>
+                <a:cs typeface="Roboto Mono"/>
+                <a:sym typeface="Roboto Mono"/>
+              </a:rPr>
+              <a:t>  class </a:t>
+            </a:r>
+            <a:r>
+              <a:rPr lang="en-US" sz="800" dirty="0" err="1">
+                <a:latin typeface="Roboto Mono"/>
+                <a:ea typeface="Roboto Mono"/>
+                <a:cs typeface="Roboto Mono"/>
+                <a:sym typeface="Roboto Mono"/>
+              </a:rPr>
+              <a:t>TransformedIterator</a:t>
+            </a:r>
+            <a:r>
+              <a:rPr lang="en-US" sz="800" dirty="0">
+                <a:latin typeface="Roboto Mono"/>
+                <a:ea typeface="Roboto Mono"/>
+                <a:cs typeface="Roboto Mono"/>
+                <a:sym typeface="Roboto Mono"/>
+              </a:rPr>
+              <a:t> implements Iterator&lt;E&gt; {</a:t>
+            </a:r>
+          </a:p>
+          <a:p>
+            <a:pPr marL="0" lvl="0" indent="0" algn="l" rtl="0">
+              <a:spcBef>
+                <a:spcPts val="0"/>
+              </a:spcBef>
+              <a:spcAft>
+                <a:spcPts val="0"/>
+              </a:spcAft>
+              <a:buNone/>
+            </a:pPr>
+            <a:endParaRPr lang="en-US" sz="800" dirty="0">
+              <a:latin typeface="Roboto Mono"/>
+              <a:ea typeface="Roboto Mono"/>
+              <a:cs typeface="Roboto Mono"/>
+              <a:sym typeface="Roboto Mono"/>
+            </a:endParaRPr>
+          </a:p>
+          <a:p>
+            <a:pPr marL="0" lvl="0" indent="0" algn="l" rtl="0">
+              <a:spcBef>
+                <a:spcPts val="0"/>
+              </a:spcBef>
+              <a:spcAft>
+                <a:spcPts val="0"/>
+              </a:spcAft>
+              <a:buNone/>
+            </a:pPr>
+            <a:endParaRPr lang="en-US" sz="800" dirty="0">
+              <a:latin typeface="Roboto Mono"/>
+              <a:ea typeface="Roboto Mono"/>
+              <a:cs typeface="Roboto Mono"/>
+              <a:sym typeface="Roboto Mono"/>
+            </a:endParaRPr>
+          </a:p>
+          <a:p>
+            <a:pPr marL="0" lvl="0" indent="0" algn="l" rtl="0">
+              <a:spcBef>
+                <a:spcPts val="0"/>
+              </a:spcBef>
+              <a:spcAft>
+                <a:spcPts val="0"/>
+              </a:spcAft>
+              <a:buNone/>
+            </a:pPr>
+            <a:endParaRPr lang="en-US" sz="800" dirty="0">
+              <a:latin typeface="Roboto Mono"/>
+              <a:ea typeface="Roboto Mono"/>
+              <a:cs typeface="Roboto Mono"/>
+              <a:sym typeface="Roboto Mono"/>
+            </a:endParaRPr>
+          </a:p>
+          <a:p>
+            <a:pPr marL="0" lvl="0" indent="0" algn="l" rtl="0">
+              <a:spcBef>
+                <a:spcPts val="0"/>
+              </a:spcBef>
+              <a:spcAft>
+                <a:spcPts val="0"/>
+              </a:spcAft>
+              <a:buNone/>
+            </a:pPr>
+            <a:r>
+              <a:rPr lang="en-US" sz="800" dirty="0">
+                <a:latin typeface="Roboto Mono"/>
+                <a:ea typeface="Roboto Mono"/>
+                <a:cs typeface="Roboto Mono"/>
+                <a:sym typeface="Roboto Mono"/>
+              </a:rPr>
+              <a:t>    public E next() {</a:t>
+            </a:r>
+          </a:p>
+          <a:p>
+            <a:pPr marL="0" lvl="0" indent="0" algn="l" rtl="0">
+              <a:spcBef>
+                <a:spcPts val="0"/>
+              </a:spcBef>
+              <a:spcAft>
+                <a:spcPts val="0"/>
+              </a:spcAft>
+              <a:buNone/>
+            </a:pPr>
+            <a:endParaRPr lang="en-US" sz="800" dirty="0">
+              <a:latin typeface="Roboto Mono"/>
+              <a:ea typeface="Roboto Mono"/>
+              <a:cs typeface="Roboto Mono"/>
+              <a:sym typeface="Roboto Mono"/>
+            </a:endParaRPr>
+          </a:p>
+          <a:p>
+            <a:pPr marL="0" lvl="0" indent="0" algn="l" rtl="0">
+              <a:spcBef>
+                <a:spcPts val="0"/>
+              </a:spcBef>
+              <a:spcAft>
+                <a:spcPts val="0"/>
+              </a:spcAft>
+              <a:buNone/>
+            </a:pPr>
+            <a:endParaRPr lang="en-US" sz="800" dirty="0">
+              <a:latin typeface="Roboto Mono"/>
+              <a:ea typeface="Roboto Mono"/>
+              <a:cs typeface="Roboto Mono"/>
+              <a:sym typeface="Roboto Mono"/>
+            </a:endParaRPr>
+          </a:p>
+          <a:p>
+            <a:pPr marL="0" lvl="0" indent="0" algn="l" rtl="0">
+              <a:spcBef>
+                <a:spcPts val="0"/>
+              </a:spcBef>
+              <a:spcAft>
+                <a:spcPts val="0"/>
+              </a:spcAft>
+              <a:buNone/>
+            </a:pPr>
+            <a:r>
+              <a:rPr lang="en-US" sz="800" dirty="0">
+                <a:latin typeface="Roboto Mono"/>
+                <a:ea typeface="Roboto Mono"/>
+                <a:cs typeface="Roboto Mono"/>
+                <a:sym typeface="Roboto Mono"/>
+              </a:rPr>
+              <a:t>    }</a:t>
+            </a:r>
+          </a:p>
+          <a:p>
+            <a:pPr marL="0" lvl="0" indent="0" algn="l" rtl="0">
+              <a:spcBef>
+                <a:spcPts val="0"/>
+              </a:spcBef>
+              <a:spcAft>
+                <a:spcPts val="0"/>
+              </a:spcAft>
+              <a:buNone/>
+            </a:pPr>
+            <a:endParaRPr lang="en-US" sz="800" dirty="0">
+              <a:latin typeface="Roboto Mono"/>
+              <a:ea typeface="Roboto Mono"/>
+              <a:cs typeface="Roboto Mono"/>
+              <a:sym typeface="Roboto Mono"/>
+            </a:endParaRPr>
+          </a:p>
+          <a:p>
+            <a:pPr marL="0" lvl="0" indent="0" algn="l" rtl="0">
+              <a:spcBef>
+                <a:spcPts val="0"/>
+              </a:spcBef>
+              <a:spcAft>
+                <a:spcPts val="0"/>
+              </a:spcAft>
+              <a:buNone/>
+            </a:pPr>
+            <a:r>
+              <a:rPr lang="en-US" sz="800" dirty="0">
+                <a:latin typeface="Roboto Mono"/>
+                <a:ea typeface="Roboto Mono"/>
+                <a:cs typeface="Roboto Mono"/>
+                <a:sym typeface="Roboto Mono"/>
+              </a:rPr>
+              <a:t>    public </a:t>
+            </a:r>
+            <a:r>
+              <a:rPr lang="en-US" sz="800" dirty="0" err="1">
+                <a:latin typeface="Roboto Mono"/>
+                <a:ea typeface="Roboto Mono"/>
+                <a:cs typeface="Roboto Mono"/>
+                <a:sym typeface="Roboto Mono"/>
+              </a:rPr>
+              <a:t>boolean</a:t>
+            </a:r>
+            <a:r>
+              <a:rPr lang="en-US" sz="800" dirty="0">
+                <a:latin typeface="Roboto Mono"/>
+                <a:ea typeface="Roboto Mono"/>
+                <a:cs typeface="Roboto Mono"/>
+                <a:sym typeface="Roboto Mono"/>
+              </a:rPr>
+              <a:t> </a:t>
+            </a:r>
+            <a:r>
+              <a:rPr lang="en-US" sz="800" dirty="0" err="1">
+                <a:latin typeface="Roboto Mono"/>
+                <a:ea typeface="Roboto Mono"/>
+                <a:cs typeface="Roboto Mono"/>
+                <a:sym typeface="Roboto Mono"/>
+              </a:rPr>
+              <a:t>hasNext</a:t>
+            </a:r>
+            <a:r>
+              <a:rPr lang="en-US" sz="800" dirty="0">
+                <a:latin typeface="Roboto Mono"/>
+                <a:ea typeface="Roboto Mono"/>
+                <a:cs typeface="Roboto Mono"/>
+                <a:sym typeface="Roboto Mono"/>
+              </a:rPr>
+              <a:t>() {</a:t>
+            </a:r>
+          </a:p>
+          <a:p>
+            <a:pPr marL="0" lvl="0" indent="0" algn="l" rtl="0">
+              <a:spcBef>
+                <a:spcPts val="0"/>
+              </a:spcBef>
+              <a:spcAft>
+                <a:spcPts val="0"/>
+              </a:spcAft>
+              <a:buNone/>
+            </a:pPr>
+            <a:endParaRPr lang="en-US" sz="800" dirty="0">
+              <a:latin typeface="Roboto Mono"/>
+              <a:ea typeface="Roboto Mono"/>
+              <a:cs typeface="Roboto Mono"/>
+              <a:sym typeface="Roboto Mono"/>
+            </a:endParaRPr>
+          </a:p>
+          <a:p>
+            <a:pPr marL="0" lvl="0" indent="0" algn="l" rtl="0">
+              <a:spcBef>
+                <a:spcPts val="0"/>
+              </a:spcBef>
+              <a:spcAft>
+                <a:spcPts val="0"/>
+              </a:spcAft>
+              <a:buNone/>
+            </a:pPr>
+            <a:endParaRPr lang="en-US" sz="800" dirty="0">
+              <a:latin typeface="Roboto Mono"/>
+              <a:ea typeface="Roboto Mono"/>
+              <a:cs typeface="Roboto Mono"/>
+              <a:sym typeface="Roboto Mono"/>
+            </a:endParaRPr>
+          </a:p>
+          <a:p>
+            <a:pPr marL="0" lvl="0" indent="0" algn="l" rtl="0">
+              <a:spcBef>
+                <a:spcPts val="0"/>
+              </a:spcBef>
+              <a:spcAft>
+                <a:spcPts val="0"/>
+              </a:spcAft>
+              <a:buNone/>
+            </a:pPr>
+            <a:r>
+              <a:rPr lang="en-US" sz="800" dirty="0">
+                <a:latin typeface="Roboto Mono"/>
+                <a:ea typeface="Roboto Mono"/>
+                <a:cs typeface="Roboto Mono"/>
+                <a:sym typeface="Roboto Mono"/>
+              </a:rPr>
+              <a:t>    }</a:t>
+            </a:r>
+          </a:p>
+          <a:p>
+            <a:pPr marL="0" lvl="0" indent="0" algn="l" rtl="0">
+              <a:spcBef>
+                <a:spcPts val="0"/>
+              </a:spcBef>
+              <a:spcAft>
+                <a:spcPts val="0"/>
+              </a:spcAft>
+              <a:buNone/>
+            </a:pPr>
+            <a:r>
+              <a:rPr lang="en-US" sz="800" dirty="0">
+                <a:latin typeface="Roboto Mono"/>
+                <a:ea typeface="Roboto Mono"/>
+                <a:cs typeface="Roboto Mono"/>
+                <a:sym typeface="Roboto Mono"/>
+              </a:rPr>
+              <a:t>  }</a:t>
+            </a:r>
+          </a:p>
+          <a:p>
+            <a:pPr marL="0" lvl="0" indent="0" algn="l" rtl="0">
+              <a:spcBef>
+                <a:spcPts val="0"/>
+              </a:spcBef>
+              <a:spcAft>
+                <a:spcPts val="0"/>
+              </a:spcAft>
+              <a:buNone/>
+            </a:pPr>
+            <a:endParaRPr lang="en-US" sz="800" dirty="0">
+              <a:latin typeface="Roboto Mono"/>
+              <a:ea typeface="Roboto Mono"/>
+              <a:cs typeface="Roboto Mono"/>
+              <a:sym typeface="Roboto Mono"/>
+            </a:endParaRPr>
+          </a:p>
+          <a:p>
+            <a:pPr marL="0" lvl="0" indent="0" algn="l" rtl="0">
+              <a:spcBef>
+                <a:spcPts val="0"/>
+              </a:spcBef>
+              <a:spcAft>
+                <a:spcPts val="0"/>
+              </a:spcAft>
+              <a:buNone/>
+            </a:pPr>
+            <a:r>
+              <a:rPr lang="en-US" sz="800" dirty="0">
+                <a:latin typeface="Roboto Mono"/>
+                <a:ea typeface="Roboto Mono"/>
+                <a:cs typeface="Roboto Mono"/>
+                <a:sym typeface="Roboto Mono"/>
+              </a:rPr>
+              <a:t>  Function&lt;E, E&gt; transformer;</a:t>
+            </a:r>
+          </a:p>
+          <a:p>
+            <a:pPr marL="0" lvl="0" indent="0" algn="l" rtl="0">
+              <a:spcBef>
+                <a:spcPts val="0"/>
+              </a:spcBef>
+              <a:spcAft>
+                <a:spcPts val="0"/>
+              </a:spcAft>
+              <a:buNone/>
+            </a:pPr>
+            <a:r>
+              <a:rPr lang="en-US" sz="800" dirty="0">
+                <a:latin typeface="Roboto Mono"/>
+                <a:ea typeface="Roboto Mono"/>
+                <a:cs typeface="Roboto Mono"/>
+                <a:sym typeface="Roboto Mono"/>
+              </a:rPr>
+              <a:t>  </a:t>
+            </a:r>
+            <a:r>
+              <a:rPr lang="en-US" sz="800" dirty="0" err="1">
+                <a:latin typeface="Roboto Mono"/>
+                <a:ea typeface="Roboto Mono"/>
+                <a:cs typeface="Roboto Mono"/>
+                <a:sym typeface="Roboto Mono"/>
+              </a:rPr>
+              <a:t>Iterable</a:t>
+            </a:r>
+            <a:r>
+              <a:rPr lang="en-US" sz="800" dirty="0">
+                <a:latin typeface="Roboto Mono"/>
+                <a:ea typeface="Roboto Mono"/>
+                <a:cs typeface="Roboto Mono"/>
+                <a:sym typeface="Roboto Mono"/>
+              </a:rPr>
+              <a:t>&lt;E&gt; </a:t>
+            </a:r>
+            <a:r>
+              <a:rPr lang="en-US" sz="800" dirty="0" err="1">
+                <a:latin typeface="Roboto Mono"/>
+                <a:ea typeface="Roboto Mono"/>
+                <a:cs typeface="Roboto Mono"/>
+                <a:sym typeface="Roboto Mono"/>
+              </a:rPr>
+              <a:t>iter</a:t>
+            </a:r>
+            <a:r>
+              <a:rPr lang="en-US" sz="800" dirty="0">
+                <a:latin typeface="Roboto Mono"/>
+                <a:ea typeface="Roboto Mono"/>
+                <a:cs typeface="Roboto Mono"/>
+                <a:sym typeface="Roboto Mono"/>
+              </a:rPr>
+              <a:t>;</a:t>
+            </a:r>
+          </a:p>
+          <a:p>
+            <a:pPr marL="0" lvl="0" indent="0" algn="l" rtl="0">
+              <a:spcBef>
+                <a:spcPts val="0"/>
+              </a:spcBef>
+              <a:spcAft>
+                <a:spcPts val="0"/>
+              </a:spcAft>
+              <a:buNone/>
+            </a:pPr>
+            <a:endParaRPr lang="en-US" sz="800" dirty="0">
+              <a:latin typeface="Roboto Mono"/>
+              <a:ea typeface="Roboto Mono"/>
+              <a:cs typeface="Roboto Mono"/>
+              <a:sym typeface="Roboto Mono"/>
+            </a:endParaRPr>
+          </a:p>
+          <a:p>
+            <a:pPr marL="0" lvl="0" indent="0" algn="l" rtl="0">
+              <a:spcBef>
+                <a:spcPts val="0"/>
+              </a:spcBef>
+              <a:spcAft>
+                <a:spcPts val="0"/>
+              </a:spcAft>
+              <a:buNone/>
+            </a:pPr>
+            <a:r>
+              <a:rPr lang="en-US" sz="800" dirty="0">
+                <a:latin typeface="Roboto Mono"/>
+                <a:ea typeface="Roboto Mono"/>
+                <a:cs typeface="Roboto Mono"/>
+                <a:sym typeface="Roboto Mono"/>
+              </a:rPr>
+              <a:t>  public Transformed(</a:t>
+            </a:r>
+            <a:r>
+              <a:rPr lang="en-US" sz="800" dirty="0" err="1">
+                <a:latin typeface="Roboto Mono"/>
+                <a:ea typeface="Roboto Mono"/>
+                <a:cs typeface="Roboto Mono"/>
+                <a:sym typeface="Roboto Mono"/>
+              </a:rPr>
+              <a:t>Iterable</a:t>
+            </a:r>
+            <a:r>
+              <a:rPr lang="en-US" sz="800" dirty="0">
+                <a:latin typeface="Roboto Mono"/>
+                <a:ea typeface="Roboto Mono"/>
+                <a:cs typeface="Roboto Mono"/>
+                <a:sym typeface="Roboto Mono"/>
+              </a:rPr>
+              <a:t>&lt;E&gt; </a:t>
+            </a:r>
+            <a:r>
+              <a:rPr lang="en-US" sz="800" dirty="0" err="1">
+                <a:latin typeface="Roboto Mono"/>
+                <a:ea typeface="Roboto Mono"/>
+                <a:cs typeface="Roboto Mono"/>
+                <a:sym typeface="Roboto Mono"/>
+              </a:rPr>
+              <a:t>iter</a:t>
+            </a:r>
+            <a:r>
+              <a:rPr lang="en-US" sz="800" dirty="0">
+                <a:latin typeface="Roboto Mono"/>
+                <a:ea typeface="Roboto Mono"/>
+                <a:cs typeface="Roboto Mono"/>
+                <a:sym typeface="Roboto Mono"/>
+              </a:rPr>
+              <a:t>, Function&lt;E, E&gt; f) {</a:t>
+            </a:r>
+          </a:p>
+          <a:p>
+            <a:pPr marL="0" lvl="0" indent="0" algn="l" rtl="0">
+              <a:spcBef>
+                <a:spcPts val="0"/>
+              </a:spcBef>
+              <a:spcAft>
+                <a:spcPts val="0"/>
+              </a:spcAft>
+              <a:buNone/>
+            </a:pPr>
+            <a:r>
+              <a:rPr lang="en-US" sz="800" dirty="0">
+                <a:latin typeface="Roboto Mono"/>
+                <a:ea typeface="Roboto Mono"/>
+                <a:cs typeface="Roboto Mono"/>
+                <a:sym typeface="Roboto Mono"/>
+              </a:rPr>
+              <a:t>    </a:t>
+            </a:r>
+            <a:r>
+              <a:rPr lang="en-US" sz="800" dirty="0" err="1">
+                <a:latin typeface="Roboto Mono"/>
+                <a:ea typeface="Roboto Mono"/>
+                <a:cs typeface="Roboto Mono"/>
+                <a:sym typeface="Roboto Mono"/>
+              </a:rPr>
+              <a:t>this.iter</a:t>
+            </a:r>
+            <a:r>
+              <a:rPr lang="en-US" sz="800" dirty="0">
+                <a:latin typeface="Roboto Mono"/>
+                <a:ea typeface="Roboto Mono"/>
+                <a:cs typeface="Roboto Mono"/>
+                <a:sym typeface="Roboto Mono"/>
+              </a:rPr>
+              <a:t> = </a:t>
+            </a:r>
+            <a:r>
+              <a:rPr lang="en-US" sz="800" dirty="0" err="1">
+                <a:latin typeface="Roboto Mono"/>
+                <a:ea typeface="Roboto Mono"/>
+                <a:cs typeface="Roboto Mono"/>
+                <a:sym typeface="Roboto Mono"/>
+              </a:rPr>
+              <a:t>iter</a:t>
+            </a:r>
+            <a:r>
+              <a:rPr lang="en-US" sz="800" dirty="0">
+                <a:latin typeface="Roboto Mono"/>
+                <a:ea typeface="Roboto Mono"/>
+                <a:cs typeface="Roboto Mono"/>
+                <a:sym typeface="Roboto Mono"/>
+              </a:rPr>
+              <a:t>;</a:t>
+            </a:r>
+          </a:p>
+          <a:p>
+            <a:pPr marL="0" lvl="0" indent="0" algn="l" rtl="0">
+              <a:spcBef>
+                <a:spcPts val="0"/>
+              </a:spcBef>
+              <a:spcAft>
+                <a:spcPts val="0"/>
+              </a:spcAft>
+              <a:buNone/>
+            </a:pPr>
+            <a:r>
+              <a:rPr lang="en-US" sz="800" dirty="0">
+                <a:latin typeface="Roboto Mono"/>
+                <a:ea typeface="Roboto Mono"/>
+                <a:cs typeface="Roboto Mono"/>
+                <a:sym typeface="Roboto Mono"/>
+              </a:rPr>
+              <a:t>    </a:t>
+            </a:r>
+            <a:r>
+              <a:rPr lang="en-US" sz="800" dirty="0" err="1">
+                <a:latin typeface="Roboto Mono"/>
+                <a:ea typeface="Roboto Mono"/>
+                <a:cs typeface="Roboto Mono"/>
+                <a:sym typeface="Roboto Mono"/>
+              </a:rPr>
+              <a:t>this.transformer</a:t>
+            </a:r>
+            <a:r>
+              <a:rPr lang="en-US" sz="800" dirty="0">
+                <a:latin typeface="Roboto Mono"/>
+                <a:ea typeface="Roboto Mono"/>
+                <a:cs typeface="Roboto Mono"/>
+                <a:sym typeface="Roboto Mono"/>
+              </a:rPr>
+              <a:t> = f;</a:t>
+            </a:r>
+          </a:p>
+          <a:p>
+            <a:pPr marL="0" lvl="0" indent="0" algn="l" rtl="0">
+              <a:spcBef>
+                <a:spcPts val="0"/>
+              </a:spcBef>
+              <a:spcAft>
+                <a:spcPts val="0"/>
+              </a:spcAft>
+              <a:buNone/>
+            </a:pPr>
+            <a:r>
+              <a:rPr lang="en-US" sz="800" dirty="0">
+                <a:latin typeface="Roboto Mono"/>
+                <a:ea typeface="Roboto Mono"/>
+                <a:cs typeface="Roboto Mono"/>
+                <a:sym typeface="Roboto Mono"/>
+              </a:rPr>
+              <a:t>  }</a:t>
+            </a:r>
+          </a:p>
+          <a:p>
+            <a:pPr marL="0" lvl="0" indent="0" algn="l" rtl="0">
+              <a:spcBef>
+                <a:spcPts val="0"/>
+              </a:spcBef>
+              <a:spcAft>
+                <a:spcPts val="0"/>
+              </a:spcAft>
+              <a:buNone/>
+            </a:pPr>
+            <a:endParaRPr lang="en-US" sz="800" dirty="0">
+              <a:latin typeface="Roboto Mono"/>
+              <a:ea typeface="Roboto Mono"/>
+              <a:cs typeface="Roboto Mono"/>
+              <a:sym typeface="Roboto Mono"/>
+            </a:endParaRPr>
+          </a:p>
+          <a:p>
+            <a:pPr marL="0" lvl="0" indent="0" algn="l" rtl="0">
+              <a:spcBef>
+                <a:spcPts val="0"/>
+              </a:spcBef>
+              <a:spcAft>
+                <a:spcPts val="0"/>
+              </a:spcAft>
+              <a:buNone/>
+            </a:pPr>
+            <a:r>
+              <a:rPr lang="en-US" sz="800" dirty="0">
+                <a:latin typeface="Roboto Mono"/>
+                <a:ea typeface="Roboto Mono"/>
+                <a:cs typeface="Roboto Mono"/>
+                <a:sym typeface="Roboto Mono"/>
+              </a:rPr>
+              <a:t>  public Iterator&lt;E&gt; iterator() {</a:t>
+            </a:r>
+          </a:p>
+          <a:p>
+            <a:pPr marL="0" lvl="0" indent="0" algn="l" rtl="0">
+              <a:spcBef>
+                <a:spcPts val="0"/>
+              </a:spcBef>
+              <a:spcAft>
+                <a:spcPts val="0"/>
+              </a:spcAft>
+              <a:buNone/>
+            </a:pPr>
+            <a:endParaRPr lang="en-US" sz="800" dirty="0">
+              <a:latin typeface="Roboto Mono"/>
+              <a:ea typeface="Roboto Mono"/>
+              <a:cs typeface="Roboto Mono"/>
+              <a:sym typeface="Roboto Mono"/>
+            </a:endParaRPr>
+          </a:p>
+          <a:p>
+            <a:pPr marL="0" lvl="0" indent="0" algn="l" rtl="0">
+              <a:spcBef>
+                <a:spcPts val="0"/>
+              </a:spcBef>
+              <a:spcAft>
+                <a:spcPts val="0"/>
+              </a:spcAft>
+              <a:buNone/>
+            </a:pPr>
+            <a:endParaRPr lang="en-US" sz="800" dirty="0">
+              <a:latin typeface="Roboto Mono"/>
+              <a:ea typeface="Roboto Mono"/>
+              <a:cs typeface="Roboto Mono"/>
+              <a:sym typeface="Roboto Mono"/>
+            </a:endParaRPr>
+          </a:p>
+          <a:p>
+            <a:pPr marL="0" lvl="0" indent="0" algn="l" rtl="0">
+              <a:spcBef>
+                <a:spcPts val="0"/>
+              </a:spcBef>
+              <a:spcAft>
+                <a:spcPts val="0"/>
+              </a:spcAft>
+              <a:buNone/>
+            </a:pPr>
+            <a:r>
+              <a:rPr lang="en-US" sz="800" dirty="0">
+                <a:latin typeface="Roboto Mono"/>
+                <a:ea typeface="Roboto Mono"/>
+                <a:cs typeface="Roboto Mono"/>
+                <a:sym typeface="Roboto Mono"/>
+              </a:rPr>
+              <a:t>  }</a:t>
+            </a:r>
+          </a:p>
+          <a:p>
+            <a:pPr marL="0" lvl="0" indent="0" algn="l" rtl="0">
+              <a:spcBef>
+                <a:spcPts val="0"/>
+              </a:spcBef>
+              <a:spcAft>
+                <a:spcPts val="0"/>
+              </a:spcAft>
+              <a:buNone/>
+            </a:pPr>
+            <a:r>
+              <a:rPr lang="en-US" sz="800" dirty="0">
+                <a:latin typeface="Roboto Mono"/>
+                <a:ea typeface="Roboto Mono"/>
+                <a:cs typeface="Roboto Mono"/>
+                <a:sym typeface="Roboto Mono"/>
+              </a:rPr>
+              <a:t>}</a:t>
+            </a:r>
+          </a:p>
+        </p:txBody>
+      </p:sp>
+    </p:spTree>
+  </p:cSld>
+  <p:clrMapOvr>
+    <a:masterClrMapping/>
+  </p:clrMapOvr>
+</p:sld>
+</file>
+
+<file path=ppt/slides/slide2.xml><?xml version="1.0" encoding="utf-8"?>
+<p:sld xmlns:a="http://schemas.openxmlformats.org/drawingml/2006/main" xmlns:r="http://schemas.openxmlformats.org/officeDocument/2006/relationships" xmlns:p="http://schemas.openxmlformats.org/presentationml/2006/main">
+  <p:cSld>
+    <p:spTree>
+      <p:nvGrpSpPr>
+        <p:cNvPr id="1" name="Shape 84"/>
+        <p:cNvGrpSpPr/>
+        <p:nvPr/>
+      </p:nvGrpSpPr>
+      <p:grpSpPr>
+        <a:xfrm>
+          <a:off x="0" y="0"/>
+          <a:ext cx="0" cy="0"/>
+          <a:chOff x="0" y="0"/>
+          <a:chExt cx="0" cy="0"/>
+        </a:xfrm>
+      </p:grpSpPr>
+      <p:sp>
+        <p:nvSpPr>
+          <p:cNvPr id="85" name="Google Shape;85;p17"/>
+          <p:cNvSpPr txBox="1"/>
+          <p:nvPr/>
+        </p:nvSpPr>
+        <p:spPr>
+          <a:xfrm>
+            <a:off x="1337550" y="4902450"/>
+            <a:ext cx="5097300" cy="812400"/>
+          </a:xfrm>
+          <a:prstGeom prst="rect">
+            <a:avLst/>
+          </a:prstGeom>
+          <a:noFill/>
+          <a:ln w="9525" cap="flat" cmpd="sng">
+            <a:solidFill>
+              <a:srgbClr val="000000"/>
+            </a:solidFill>
+            <a:prstDash val="solid"/>
+            <a:round/>
+            <a:headEnd type="none" w="sm" len="sm"/>
+            <a:tailEnd type="none" w="sm" len="sm"/>
+          </a:ln>
+        </p:spPr>
+        <p:txBody>
+          <a:bodyPr spcFirstLastPara="1" wrap="square" lIns="91425" tIns="91425" rIns="91425" bIns="91425" anchor="t" anchorCtr="0">
+            <a:noAutofit/>
+          </a:bodyPr>
+          <a:lstStyle/>
+          <a:p>
+            <a:pPr marL="0" lvl="0" indent="0" algn="l" rtl="0">
+              <a:spcBef>
+                <a:spcPts val="0"/>
+              </a:spcBef>
+              <a:spcAft>
+                <a:spcPts val="0"/>
+              </a:spcAft>
+              <a:buNone/>
+            </a:pPr>
+            <a:r>
+              <a:rPr lang="en" sz="1000">
+                <a:latin typeface="Roboto Mono"/>
+                <a:ea typeface="Roboto Mono"/>
+                <a:cs typeface="Roboto Mono"/>
+                <a:sym typeface="Roboto Mono"/>
+              </a:rPr>
+              <a:t>class Range implements Iterable&lt;Integer&gt; {</a:t>
+            </a:r>
+            <a:endParaRPr sz="1000">
+              <a:latin typeface="Roboto Mono"/>
+              <a:ea typeface="Roboto Mono"/>
+              <a:cs typeface="Roboto Mono"/>
+              <a:sym typeface="Roboto Mono"/>
+            </a:endParaRPr>
+          </a:p>
+          <a:p>
+            <a:pPr marL="0" lvl="0" indent="0" algn="l" rtl="0">
+              <a:spcBef>
+                <a:spcPts val="0"/>
+              </a:spcBef>
+              <a:spcAft>
+                <a:spcPts val="0"/>
+              </a:spcAft>
+              <a:buNone/>
+            </a:pPr>
+            <a:r>
+              <a:rPr lang="en" sz="1000">
+                <a:latin typeface="Roboto Mono"/>
+                <a:ea typeface="Roboto Mono"/>
+                <a:cs typeface="Roboto Mono"/>
+                <a:sym typeface="Roboto Mono"/>
+              </a:rPr>
+              <a:t>  int low, high;</a:t>
+            </a:r>
+            <a:endParaRPr sz="1000">
+              <a:latin typeface="Roboto Mono"/>
+              <a:ea typeface="Roboto Mono"/>
+              <a:cs typeface="Roboto Mono"/>
+              <a:sym typeface="Roboto Mono"/>
+            </a:endParaRPr>
+          </a:p>
+          <a:p>
+            <a:pPr marL="0" lvl="0" indent="0" algn="l" rtl="0">
+              <a:spcBef>
+                <a:spcPts val="0"/>
+              </a:spcBef>
+              <a:spcAft>
+                <a:spcPts val="0"/>
+              </a:spcAft>
+              <a:buNone/>
+            </a:pPr>
+            <a:r>
+              <a:rPr lang="en" sz="1000">
+                <a:latin typeface="Roboto Mono"/>
+                <a:ea typeface="Roboto Mono"/>
+                <a:cs typeface="Roboto Mono"/>
+                <a:sym typeface="Roboto Mono"/>
+              </a:rPr>
+              <a:t>  /* ... */</a:t>
+            </a:r>
+            <a:endParaRPr sz="1000">
+              <a:latin typeface="Roboto Mono"/>
+              <a:ea typeface="Roboto Mono"/>
+              <a:cs typeface="Roboto Mono"/>
+              <a:sym typeface="Roboto Mono"/>
+            </a:endParaRPr>
+          </a:p>
+          <a:p>
+            <a:pPr marL="0" lvl="0" indent="0" algn="l" rtl="0">
+              <a:spcBef>
+                <a:spcPts val="0"/>
+              </a:spcBef>
+              <a:spcAft>
+                <a:spcPts val="0"/>
+              </a:spcAft>
+              <a:buNone/>
+            </a:pPr>
+            <a:r>
+              <a:rPr lang="en" sz="1000">
+                <a:latin typeface="Roboto Mono"/>
+                <a:ea typeface="Roboto Mono"/>
+                <a:cs typeface="Roboto Mono"/>
+                <a:sym typeface="Roboto Mono"/>
+              </a:rPr>
+              <a:t>}</a:t>
+            </a:r>
+            <a:endParaRPr sz="1000">
+              <a:latin typeface="Roboto Mono"/>
+              <a:ea typeface="Roboto Mono"/>
+              <a:cs typeface="Roboto Mono"/>
+              <a:sym typeface="Roboto Mono"/>
+            </a:endParaRPr>
+          </a:p>
+          <a:p>
+            <a:pPr marL="0" lvl="0" indent="0" algn="l" rtl="0">
+              <a:spcBef>
+                <a:spcPts val="0"/>
+              </a:spcBef>
+              <a:spcAft>
+                <a:spcPts val="0"/>
+              </a:spcAft>
+              <a:buNone/>
+            </a:pPr>
+            <a:endParaRPr sz="1000">
+              <a:latin typeface="Roboto Mono"/>
+              <a:ea typeface="Roboto Mono"/>
+              <a:cs typeface="Roboto Mono"/>
+              <a:sym typeface="Roboto Mono"/>
+            </a:endParaRPr>
+          </a:p>
+          <a:p>
+            <a:pPr marL="0" lvl="0" indent="0" algn="l" rtl="0">
+              <a:spcBef>
+                <a:spcPts val="0"/>
+              </a:spcBef>
+              <a:spcAft>
+                <a:spcPts val="0"/>
+              </a:spcAft>
+              <a:buNone/>
+            </a:pPr>
+            <a:endParaRPr sz="1000">
+              <a:latin typeface="Roboto Mono"/>
+              <a:ea typeface="Roboto Mono"/>
+              <a:cs typeface="Roboto Mono"/>
+              <a:sym typeface="Roboto Mono"/>
+            </a:endParaRPr>
+          </a:p>
+        </p:txBody>
+      </p:sp>
+      <p:sp>
+        <p:nvSpPr>
+          <p:cNvPr id="86" name="Google Shape;86;p17"/>
+          <p:cNvSpPr txBox="1"/>
+          <p:nvPr/>
+        </p:nvSpPr>
+        <p:spPr>
+          <a:xfrm>
+            <a:off x="1337550" y="5915300"/>
+            <a:ext cx="5097300" cy="812400"/>
+          </a:xfrm>
+          <a:prstGeom prst="rect">
+            <a:avLst/>
+          </a:prstGeom>
+          <a:noFill/>
+          <a:ln w="9525" cap="flat" cmpd="sng">
+            <a:solidFill>
+              <a:srgbClr val="000000"/>
+            </a:solidFill>
+            <a:prstDash val="solid"/>
+            <a:round/>
+            <a:headEnd type="none" w="sm" len="sm"/>
+            <a:tailEnd type="none" w="sm" len="sm"/>
+          </a:ln>
+        </p:spPr>
+        <p:txBody>
+          <a:bodyPr spcFirstLastPara="1" wrap="square" lIns="91425" tIns="91425" rIns="91425" bIns="91425" anchor="t" anchorCtr="0">
+            <a:noAutofit/>
+          </a:bodyPr>
+          <a:lstStyle/>
+          <a:p>
+            <a:pPr marL="0" lvl="0" indent="0" algn="l" rtl="0">
+              <a:spcBef>
+                <a:spcPts val="0"/>
+              </a:spcBef>
+              <a:spcAft>
+                <a:spcPts val="0"/>
+              </a:spcAft>
+              <a:buClr>
+                <a:srgbClr val="000000"/>
+              </a:buClr>
+              <a:buSzPts val="1100"/>
+              <a:buFont typeface="Arial"/>
+              <a:buNone/>
+            </a:pPr>
+            <a:r>
+              <a:rPr lang="en" sz="1000">
+                <a:latin typeface="Roboto Mono"/>
+                <a:ea typeface="Roboto Mono"/>
+                <a:cs typeface="Roboto Mono"/>
+                <a:sym typeface="Roboto Mono"/>
+              </a:rPr>
+              <a:t>class Range implements Iterator&lt;Integer&gt; {</a:t>
+            </a:r>
+            <a:endParaRPr sz="1000">
+              <a:latin typeface="Roboto Mono"/>
+              <a:ea typeface="Roboto Mono"/>
+              <a:cs typeface="Roboto Mono"/>
+              <a:sym typeface="Roboto Mono"/>
+            </a:endParaRPr>
+          </a:p>
+          <a:p>
+            <a:pPr marL="0" lvl="0" indent="0" algn="l" rtl="0">
+              <a:spcBef>
+                <a:spcPts val="0"/>
+              </a:spcBef>
+              <a:spcAft>
+                <a:spcPts val="0"/>
+              </a:spcAft>
+              <a:buClr>
+                <a:srgbClr val="000000"/>
+              </a:buClr>
+              <a:buSzPts val="1100"/>
+              <a:buFont typeface="Arial"/>
+              <a:buNone/>
+            </a:pPr>
+            <a:r>
+              <a:rPr lang="en" sz="1000">
+                <a:latin typeface="Roboto Mono"/>
+                <a:ea typeface="Roboto Mono"/>
+                <a:cs typeface="Roboto Mono"/>
+                <a:sym typeface="Roboto Mono"/>
+              </a:rPr>
+              <a:t>  int low, high;</a:t>
+            </a:r>
+            <a:endParaRPr sz="1000">
+              <a:latin typeface="Roboto Mono"/>
+              <a:ea typeface="Roboto Mono"/>
+              <a:cs typeface="Roboto Mono"/>
+              <a:sym typeface="Roboto Mono"/>
+            </a:endParaRPr>
+          </a:p>
+          <a:p>
+            <a:pPr marL="0" lvl="0" indent="0" algn="l" rtl="0">
+              <a:spcBef>
+                <a:spcPts val="0"/>
+              </a:spcBef>
+              <a:spcAft>
+                <a:spcPts val="0"/>
+              </a:spcAft>
+              <a:buClr>
+                <a:srgbClr val="000000"/>
+              </a:buClr>
+              <a:buSzPts val="1100"/>
+              <a:buFont typeface="Arial"/>
+              <a:buNone/>
+            </a:pPr>
+            <a:r>
+              <a:rPr lang="en" sz="1000">
+                <a:latin typeface="Roboto Mono"/>
+                <a:ea typeface="Roboto Mono"/>
+                <a:cs typeface="Roboto Mono"/>
+                <a:sym typeface="Roboto Mono"/>
+              </a:rPr>
+              <a:t>  /* ... */</a:t>
+            </a:r>
+            <a:endParaRPr sz="1000">
+              <a:latin typeface="Roboto Mono"/>
+              <a:ea typeface="Roboto Mono"/>
+              <a:cs typeface="Roboto Mono"/>
+              <a:sym typeface="Roboto Mono"/>
+            </a:endParaRPr>
+          </a:p>
+          <a:p>
+            <a:pPr marL="0" lvl="0" indent="0" algn="l" rtl="0">
+              <a:spcBef>
+                <a:spcPts val="0"/>
+              </a:spcBef>
+              <a:spcAft>
+                <a:spcPts val="0"/>
+              </a:spcAft>
+              <a:buClr>
+                <a:srgbClr val="000000"/>
+              </a:buClr>
+              <a:buSzPts val="1100"/>
+              <a:buFont typeface="Arial"/>
+              <a:buNone/>
+            </a:pPr>
+            <a:r>
+              <a:rPr lang="en" sz="1000">
+                <a:latin typeface="Roboto Mono"/>
+                <a:ea typeface="Roboto Mono"/>
+                <a:cs typeface="Roboto Mono"/>
+                <a:sym typeface="Roboto Mono"/>
+              </a:rPr>
+              <a:t>}</a:t>
+            </a:r>
+            <a:endParaRPr sz="1000">
+              <a:latin typeface="Roboto Mono"/>
+              <a:ea typeface="Roboto Mono"/>
+              <a:cs typeface="Roboto Mono"/>
+              <a:sym typeface="Roboto Mono"/>
+            </a:endParaRPr>
+          </a:p>
+          <a:p>
+            <a:pPr marL="0" lvl="0" indent="0" algn="l" rtl="0">
+              <a:spcBef>
+                <a:spcPts val="0"/>
+              </a:spcBef>
+              <a:spcAft>
+                <a:spcPts val="0"/>
+              </a:spcAft>
+              <a:buClr>
+                <a:srgbClr val="000000"/>
+              </a:buClr>
+              <a:buSzPts val="1100"/>
+              <a:buFont typeface="Arial"/>
+              <a:buNone/>
+            </a:pPr>
+            <a:endParaRPr sz="1000">
+              <a:latin typeface="Roboto Mono"/>
+              <a:ea typeface="Roboto Mono"/>
+              <a:cs typeface="Roboto Mono"/>
+              <a:sym typeface="Roboto Mono"/>
+            </a:endParaRPr>
+          </a:p>
+          <a:p>
+            <a:pPr marL="0" lvl="0" indent="0" algn="l" rtl="0">
+              <a:spcBef>
+                <a:spcPts val="0"/>
+              </a:spcBef>
+              <a:spcAft>
+                <a:spcPts val="0"/>
+              </a:spcAft>
+              <a:buClr>
+                <a:srgbClr val="000000"/>
+              </a:buClr>
+              <a:buSzPts val="1100"/>
+              <a:buFont typeface="Arial"/>
+              <a:buNone/>
+            </a:pPr>
+            <a:endParaRPr sz="1000">
+              <a:latin typeface="Roboto Mono"/>
+              <a:ea typeface="Roboto Mono"/>
+              <a:cs typeface="Roboto Mono"/>
+              <a:sym typeface="Roboto Mono"/>
+            </a:endParaRPr>
+          </a:p>
+          <a:p>
+            <a:pPr marL="0" lvl="0" indent="0" algn="l" rtl="0">
+              <a:spcBef>
+                <a:spcPts val="0"/>
+              </a:spcBef>
+              <a:spcAft>
+                <a:spcPts val="0"/>
+              </a:spcAft>
+              <a:buNone/>
+            </a:pPr>
+            <a:endParaRPr sz="1000">
+              <a:solidFill>
+                <a:schemeClr val="dk1"/>
+              </a:solidFill>
+              <a:latin typeface="Roboto Mono"/>
+              <a:ea typeface="Roboto Mono"/>
+              <a:cs typeface="Roboto Mono"/>
+              <a:sym typeface="Roboto Mono"/>
+            </a:endParaRPr>
+          </a:p>
+        </p:txBody>
+      </p:sp>
+      <p:sp>
+        <p:nvSpPr>
+          <p:cNvPr id="87" name="Google Shape;87;p17"/>
+          <p:cNvSpPr txBox="1"/>
+          <p:nvPr/>
+        </p:nvSpPr>
+        <p:spPr>
+          <a:xfrm>
+            <a:off x="1337550" y="2782650"/>
+            <a:ext cx="5097300" cy="812400"/>
+          </a:xfrm>
+          <a:prstGeom prst="rect">
+            <a:avLst/>
+          </a:prstGeom>
+          <a:noFill/>
+          <a:ln w="9525" cap="flat" cmpd="sng">
+            <a:solidFill>
+              <a:srgbClr val="000000"/>
+            </a:solidFill>
+            <a:prstDash val="solid"/>
+            <a:round/>
+            <a:headEnd type="none" w="sm" len="sm"/>
+            <a:tailEnd type="none" w="sm" len="sm"/>
+          </a:ln>
+        </p:spPr>
+        <p:txBody>
+          <a:bodyPr spcFirstLastPara="1" wrap="square" lIns="91425" tIns="91425" rIns="91425" bIns="91425" anchor="t" anchorCtr="0">
+            <a:noAutofit/>
+          </a:bodyPr>
+          <a:lstStyle/>
+          <a:p>
+            <a:pPr marL="0" lvl="0" indent="0" algn="l" rtl="0">
+              <a:spcBef>
+                <a:spcPts val="0"/>
+              </a:spcBef>
+              <a:spcAft>
+                <a:spcPts val="0"/>
+              </a:spcAft>
+              <a:buClr>
+                <a:srgbClr val="000000"/>
+              </a:buClr>
+              <a:buSzPts val="1100"/>
+              <a:buFont typeface="Arial"/>
+              <a:buNone/>
+            </a:pPr>
+            <a:r>
+              <a:rPr lang="en" sz="1000">
+                <a:latin typeface="Roboto Mono"/>
+                <a:ea typeface="Roboto Mono"/>
+                <a:cs typeface="Roboto Mono"/>
+                <a:sym typeface="Roboto Mono"/>
+              </a:rPr>
+              <a:t>class Range implements Iterable&lt;Integer&gt; {</a:t>
+            </a:r>
+            <a:endParaRPr sz="1000">
+              <a:latin typeface="Roboto Mono"/>
+              <a:ea typeface="Roboto Mono"/>
+              <a:cs typeface="Roboto Mono"/>
+              <a:sym typeface="Roboto Mono"/>
+            </a:endParaRPr>
+          </a:p>
+          <a:p>
+            <a:pPr marL="0" lvl="0" indent="0" algn="l" rtl="0">
+              <a:spcBef>
+                <a:spcPts val="0"/>
+              </a:spcBef>
+              <a:spcAft>
+                <a:spcPts val="0"/>
+              </a:spcAft>
+              <a:buClr>
+                <a:srgbClr val="000000"/>
+              </a:buClr>
+              <a:buSzPts val="1100"/>
+              <a:buFont typeface="Arial"/>
+              <a:buNone/>
+            </a:pPr>
+            <a:r>
+              <a:rPr lang="en" sz="1000">
+                <a:latin typeface="Roboto Mono"/>
+                <a:ea typeface="Roboto Mono"/>
+                <a:cs typeface="Roboto Mono"/>
+                <a:sym typeface="Roboto Mono"/>
+              </a:rPr>
+              <a:t>  int currentIndex, low, high;</a:t>
+            </a:r>
+            <a:endParaRPr sz="1000">
+              <a:latin typeface="Roboto Mono"/>
+              <a:ea typeface="Roboto Mono"/>
+              <a:cs typeface="Roboto Mono"/>
+              <a:sym typeface="Roboto Mono"/>
+            </a:endParaRPr>
+          </a:p>
+          <a:p>
+            <a:pPr marL="0" lvl="0" indent="0" algn="l" rtl="0">
+              <a:spcBef>
+                <a:spcPts val="0"/>
+              </a:spcBef>
+              <a:spcAft>
+                <a:spcPts val="0"/>
+              </a:spcAft>
+              <a:buClr>
+                <a:srgbClr val="000000"/>
+              </a:buClr>
+              <a:buSzPts val="1100"/>
+              <a:buFont typeface="Arial"/>
+              <a:buNone/>
+            </a:pPr>
+            <a:r>
+              <a:rPr lang="en" sz="1000">
+                <a:latin typeface="Roboto Mono"/>
+                <a:ea typeface="Roboto Mono"/>
+                <a:cs typeface="Roboto Mono"/>
+                <a:sym typeface="Roboto Mono"/>
+              </a:rPr>
+              <a:t>  /* ... */</a:t>
+            </a:r>
+            <a:endParaRPr sz="1000">
+              <a:latin typeface="Roboto Mono"/>
+              <a:ea typeface="Roboto Mono"/>
+              <a:cs typeface="Roboto Mono"/>
+              <a:sym typeface="Roboto Mono"/>
+            </a:endParaRPr>
+          </a:p>
+          <a:p>
+            <a:pPr marL="0" lvl="0" indent="0" algn="l" rtl="0">
+              <a:spcBef>
+                <a:spcPts val="0"/>
+              </a:spcBef>
+              <a:spcAft>
+                <a:spcPts val="0"/>
+              </a:spcAft>
+              <a:buClr>
+                <a:srgbClr val="000000"/>
+              </a:buClr>
+              <a:buSzPts val="1100"/>
+              <a:buFont typeface="Arial"/>
+              <a:buNone/>
+            </a:pPr>
+            <a:r>
+              <a:rPr lang="en" sz="1000">
+                <a:latin typeface="Roboto Mono"/>
+                <a:ea typeface="Roboto Mono"/>
+                <a:cs typeface="Roboto Mono"/>
+                <a:sym typeface="Roboto Mono"/>
+              </a:rPr>
+              <a:t>}</a:t>
+            </a:r>
+            <a:endParaRPr sz="1000">
+              <a:latin typeface="Roboto Mono"/>
+              <a:ea typeface="Roboto Mono"/>
+              <a:cs typeface="Roboto Mono"/>
+              <a:sym typeface="Roboto Mono"/>
+            </a:endParaRPr>
+          </a:p>
+          <a:p>
+            <a:pPr marL="0" lvl="0" indent="0" algn="l" rtl="0">
+              <a:spcBef>
+                <a:spcPts val="0"/>
+              </a:spcBef>
+              <a:spcAft>
+                <a:spcPts val="0"/>
+              </a:spcAft>
+              <a:buNone/>
+            </a:pPr>
+            <a:endParaRPr sz="1000">
+              <a:solidFill>
+                <a:schemeClr val="dk1"/>
+              </a:solidFill>
+              <a:latin typeface="Roboto Mono"/>
+              <a:ea typeface="Roboto Mono"/>
+              <a:cs typeface="Roboto Mono"/>
+              <a:sym typeface="Roboto Mono"/>
+            </a:endParaRPr>
+          </a:p>
+        </p:txBody>
+      </p:sp>
+      <p:sp>
+        <p:nvSpPr>
+          <p:cNvPr id="88" name="Google Shape;88;p17"/>
+          <p:cNvSpPr txBox="1"/>
+          <p:nvPr/>
+        </p:nvSpPr>
+        <p:spPr>
+          <a:xfrm>
+            <a:off x="1337550" y="3889600"/>
+            <a:ext cx="5097300" cy="812400"/>
+          </a:xfrm>
+          <a:prstGeom prst="rect">
+            <a:avLst/>
+          </a:prstGeom>
+          <a:noFill/>
+          <a:ln w="9525" cap="flat" cmpd="sng">
+            <a:solidFill>
+              <a:srgbClr val="000000"/>
+            </a:solidFill>
+            <a:prstDash val="solid"/>
+            <a:round/>
+            <a:headEnd type="none" w="sm" len="sm"/>
+            <a:tailEnd type="none" w="sm" len="sm"/>
+          </a:ln>
+        </p:spPr>
+        <p:txBody>
+          <a:bodyPr spcFirstLastPara="1" wrap="square" lIns="91425" tIns="91425" rIns="91425" bIns="91425" anchor="t" anchorCtr="0">
+            <a:noAutofit/>
+          </a:bodyPr>
+          <a:lstStyle/>
+          <a:p>
+            <a:pPr marL="0" lvl="0" indent="0" algn="l" rtl="0">
+              <a:spcBef>
+                <a:spcPts val="0"/>
+              </a:spcBef>
+              <a:spcAft>
+                <a:spcPts val="0"/>
+              </a:spcAft>
+              <a:buNone/>
+            </a:pPr>
+            <a:r>
+              <a:rPr lang="en" sz="1000">
+                <a:latin typeface="Roboto Mono"/>
+                <a:ea typeface="Roboto Mono"/>
+                <a:cs typeface="Roboto Mono"/>
+                <a:sym typeface="Roboto Mono"/>
+              </a:rPr>
+              <a:t>class Range implements Iterator&lt;Integer&gt; {</a:t>
+            </a:r>
+            <a:endParaRPr sz="1000">
+              <a:latin typeface="Roboto Mono"/>
+              <a:ea typeface="Roboto Mono"/>
+              <a:cs typeface="Roboto Mono"/>
+              <a:sym typeface="Roboto Mono"/>
+            </a:endParaRPr>
+          </a:p>
+          <a:p>
+            <a:pPr marL="0" lvl="0" indent="0" algn="l" rtl="0">
+              <a:spcBef>
+                <a:spcPts val="0"/>
+              </a:spcBef>
+              <a:spcAft>
+                <a:spcPts val="0"/>
+              </a:spcAft>
+              <a:buNone/>
+            </a:pPr>
+            <a:r>
+              <a:rPr lang="en" sz="1000">
+                <a:latin typeface="Roboto Mono"/>
+                <a:ea typeface="Roboto Mono"/>
+                <a:cs typeface="Roboto Mono"/>
+                <a:sym typeface="Roboto Mono"/>
+              </a:rPr>
+              <a:t>  int currentIndex, low, high;</a:t>
+            </a:r>
+            <a:endParaRPr sz="1000">
+              <a:latin typeface="Roboto Mono"/>
+              <a:ea typeface="Roboto Mono"/>
+              <a:cs typeface="Roboto Mono"/>
+              <a:sym typeface="Roboto Mono"/>
+            </a:endParaRPr>
+          </a:p>
+          <a:p>
+            <a:pPr marL="0" lvl="0" indent="0" algn="l" rtl="0">
+              <a:spcBef>
+                <a:spcPts val="0"/>
+              </a:spcBef>
+              <a:spcAft>
+                <a:spcPts val="0"/>
+              </a:spcAft>
+              <a:buNone/>
+            </a:pPr>
+            <a:r>
+              <a:rPr lang="en" sz="1000">
+                <a:latin typeface="Roboto Mono"/>
+                <a:ea typeface="Roboto Mono"/>
+                <a:cs typeface="Roboto Mono"/>
+                <a:sym typeface="Roboto Mono"/>
+              </a:rPr>
+              <a:t>  /* ... */</a:t>
+            </a:r>
+            <a:endParaRPr sz="1000">
+              <a:latin typeface="Roboto Mono"/>
+              <a:ea typeface="Roboto Mono"/>
+              <a:cs typeface="Roboto Mono"/>
+              <a:sym typeface="Roboto Mono"/>
+            </a:endParaRPr>
+          </a:p>
+          <a:p>
+            <a:pPr marL="0" lvl="0" indent="0" algn="l" rtl="0">
+              <a:spcBef>
+                <a:spcPts val="0"/>
+              </a:spcBef>
+              <a:spcAft>
+                <a:spcPts val="0"/>
+              </a:spcAft>
+              <a:buNone/>
+            </a:pPr>
+            <a:r>
+              <a:rPr lang="en" sz="1000">
+                <a:latin typeface="Roboto Mono"/>
+                <a:ea typeface="Roboto Mono"/>
+                <a:cs typeface="Roboto Mono"/>
+                <a:sym typeface="Roboto Mono"/>
+              </a:rPr>
+              <a:t>}</a:t>
+            </a:r>
+            <a:endParaRPr sz="1000">
+              <a:latin typeface="Roboto Mono"/>
+              <a:ea typeface="Roboto Mono"/>
+              <a:cs typeface="Roboto Mono"/>
+              <a:sym typeface="Roboto Mono"/>
+            </a:endParaRPr>
+          </a:p>
+          <a:p>
+            <a:pPr marL="0" lvl="0" indent="0" algn="l" rtl="0">
+              <a:spcBef>
+                <a:spcPts val="0"/>
+              </a:spcBef>
+              <a:spcAft>
+                <a:spcPts val="0"/>
+              </a:spcAft>
+              <a:buNone/>
+            </a:pPr>
+            <a:endParaRPr sz="1000">
+              <a:solidFill>
+                <a:schemeClr val="dk1"/>
+              </a:solidFill>
               <a:latin typeface="Roboto Mono"/>
               <a:ea typeface="Roboto Mono"/>
               <a:cs typeface="Roboto Mono"/>
